--- a/BT_Urska_Rozman.pptx
+++ b/BT_Urska_Rozman.pptx
@@ -6,10 +6,10 @@
     <p:sldMasterId id="2147483648" r:id="rId2"/>
   </p:sldMasterIdLst>
   <p:notesMasterIdLst>
-    <p:notesMasterId r:id="rId16"/>
+    <p:notesMasterId r:id="rId17"/>
   </p:notesMasterIdLst>
   <p:handoutMasterIdLst>
-    <p:handoutMasterId r:id="rId17"/>
+    <p:handoutMasterId r:id="rId18"/>
   </p:handoutMasterIdLst>
   <p:sldIdLst>
     <p:sldId id="508" r:id="rId3"/>
@@ -23,8 +23,9 @@
     <p:sldId id="522" r:id="rId11"/>
     <p:sldId id="509" r:id="rId12"/>
     <p:sldId id="514" r:id="rId13"/>
-    <p:sldId id="511" r:id="rId14"/>
-    <p:sldId id="518" r:id="rId15"/>
+    <p:sldId id="518" r:id="rId14"/>
+    <p:sldId id="511" r:id="rId15"/>
+    <p:sldId id="524" r:id="rId16"/>
   </p:sldIdLst>
   <p:sldSz cx="9144000" cy="6858000" type="screen4x3"/>
   <p:notesSz cx="7315200" cy="9601200"/>
@@ -4612,7 +4613,22 @@
               <a:rPr lang="en-AT" sz="2400" dirty="0">
                 <a:latin typeface="Arial" charset="0"/>
               </a:rPr>
-              <a:t>Real (H)</a:t>
+              <a:t>Real (</a:t>
+            </a:r>
+            <a:r>
+              <a:rPr lang="en-AT" sz="2400" dirty="0">
+                <a:solidFill>
+                  <a:srgbClr val="00B0F0"/>
+                </a:solidFill>
+                <a:latin typeface="Arial" charset="0"/>
+              </a:rPr>
+              <a:t>H</a:t>
+            </a:r>
+            <a:r>
+              <a:rPr lang="en-AT" sz="2400" dirty="0">
+                <a:latin typeface="Arial" charset="0"/>
+              </a:rPr>
+              <a:t>)</a:t>
             </a:r>
           </a:p>
         </p:txBody>
@@ -4750,7 +4766,22 @@
               <a:rPr lang="en-AT" sz="2400" dirty="0">
                 <a:latin typeface="Arial" charset="0"/>
               </a:rPr>
-              <a:t>Real (H)</a:t>
+              <a:t>Real (</a:t>
+            </a:r>
+            <a:r>
+              <a:rPr lang="en-AT" sz="2400" dirty="0">
+                <a:solidFill>
+                  <a:srgbClr val="00B0F0"/>
+                </a:solidFill>
+                <a:latin typeface="Arial" charset="0"/>
+              </a:rPr>
+              <a:t>H</a:t>
+            </a:r>
+            <a:r>
+              <a:rPr lang="en-AT" sz="2400" dirty="0">
+                <a:latin typeface="Arial" charset="0"/>
+              </a:rPr>
+              <a:t>)</a:t>
             </a:r>
           </a:p>
         </p:txBody>
@@ -4888,7 +4919,22 @@
               <a:rPr lang="en-AT" sz="2400" dirty="0">
                 <a:latin typeface="Arial" charset="0"/>
               </a:rPr>
-              <a:t>Real (D)</a:t>
+              <a:t>Real (</a:t>
+            </a:r>
+            <a:r>
+              <a:rPr lang="en-AT" sz="2400" dirty="0">
+                <a:solidFill>
+                  <a:srgbClr val="FF6F85"/>
+                </a:solidFill>
+                <a:latin typeface="Arial" charset="0"/>
+              </a:rPr>
+              <a:t>D</a:t>
+            </a:r>
+            <a:r>
+              <a:rPr lang="en-AT" sz="2400" dirty="0">
+                <a:latin typeface="Arial" charset="0"/>
+              </a:rPr>
+              <a:t>)</a:t>
             </a:r>
           </a:p>
         </p:txBody>
@@ -6914,7 +6960,7 @@
             <a:extLst>
               <a:ext uri="{BEBA8EAE-BF5A-486C-A8C5-ECC9F3942E4B}">
                 <a14:imgProps xmlns:a14="http://schemas.microsoft.com/office/drawing/2010/main">
-                  <a14:imgLayer r:embed="rId5">
+                  <a14:imgLayer r:embed="rId4">
                     <a14:imgEffect>
                       <a14:colorTemperature colorTemp="4700"/>
                     </a14:imgEffect>
@@ -6973,7 +7019,7 @@
             <a:extLst>
               <a:ext uri="{BEBA8EAE-BF5A-486C-A8C5-ECC9F3942E4B}">
                 <a14:imgProps xmlns:a14="http://schemas.microsoft.com/office/drawing/2010/main">
-                  <a14:imgLayer r:embed="rId6">
+                  <a14:imgLayer r:embed="rId4">
                     <a14:imgEffect>
                       <a14:colorTemperature colorTemp="4700"/>
                     </a14:imgEffect>
@@ -7213,8 +7259,83 @@
               <a:t>Weights: </a:t>
             </a:r>
             <a:r>
-              <a:rPr lang="en-AT" dirty="0"/>
-              <a:t>[0.04, 1.0, 1.0, 0.4, 1.0, 1.0]</a:t>
+              <a:rPr lang="en-AT" b="1" dirty="0"/>
+              <a:t>[</a:t>
+            </a:r>
+            <a:r>
+              <a:rPr lang="en-AT" b="1" dirty="0">
+                <a:solidFill>
+                  <a:schemeClr val="bg2"/>
+                </a:solidFill>
+              </a:rPr>
+              <a:t>0.04</a:t>
+            </a:r>
+            <a:r>
+              <a:rPr lang="en-AT" b="1" dirty="0"/>
+              <a:t>, </a:t>
+            </a:r>
+            <a:r>
+              <a:rPr lang="en-AT" b="1" dirty="0">
+                <a:solidFill>
+                  <a:srgbClr val="92D050"/>
+                </a:solidFill>
+              </a:rPr>
+              <a:t>1.0</a:t>
+            </a:r>
+            <a:r>
+              <a:rPr lang="en-AT" b="1" dirty="0"/>
+              <a:t>, </a:t>
+            </a:r>
+            <a:r>
+              <a:rPr lang="en-AT" b="1" dirty="0">
+                <a:solidFill>
+                  <a:srgbClr val="FFC000"/>
+                </a:solidFill>
+              </a:rPr>
+              <a:t>1.0</a:t>
+            </a:r>
+            <a:r>
+              <a:rPr lang="en-AT" b="1" dirty="0"/>
+              <a:t>, </a:t>
+            </a:r>
+            <a:r>
+              <a:rPr lang="en-AT" b="1" dirty="0">
+                <a:solidFill>
+                  <a:srgbClr val="C00000"/>
+                </a:solidFill>
+              </a:rPr>
+              <a:t>0.4</a:t>
+            </a:r>
+            <a:r>
+              <a:rPr lang="en-AT" b="1" dirty="0"/>
+              <a:t>, </a:t>
+            </a:r>
+            <a:r>
+              <a:rPr lang="en-AT" b="1" dirty="0">
+                <a:solidFill>
+                  <a:schemeClr val="accent2">
+                    <a:lumMod val="60000"/>
+                    <a:lumOff val="40000"/>
+                  </a:schemeClr>
+                </a:solidFill>
+              </a:rPr>
+              <a:t>1.0</a:t>
+            </a:r>
+            <a:r>
+              <a:rPr lang="en-AT" b="1" dirty="0"/>
+              <a:t>,</a:t>
+            </a:r>
+            <a:r>
+              <a:rPr lang="en-AT" b="1" dirty="0">
+                <a:solidFill>
+                  <a:srgbClr val="FF62FF"/>
+                </a:solidFill>
+              </a:rPr>
+              <a:t> 1.0</a:t>
+            </a:r>
+            <a:r>
+              <a:rPr lang="en-AT" b="1" dirty="0"/>
+              <a:t>]</a:t>
             </a:r>
           </a:p>
           <a:p>
@@ -10438,239 +10559,6 @@
       </p:grpSpPr>
       <p:sp>
         <p:nvSpPr>
-          <p:cNvPr id="16385" name="Title 4">
-            <a:extLst>
-              <a:ext uri="{FF2B5EF4-FFF2-40B4-BE49-F238E27FC236}">
-                <a16:creationId xmlns:a16="http://schemas.microsoft.com/office/drawing/2014/main" id="{2C8E0BDF-F475-426F-DFF3-D55F76D27CED}"/>
-              </a:ext>
-            </a:extLst>
-          </p:cNvPr>
-          <p:cNvSpPr>
-            <a:spLocks noGrp="1" noChangeArrowheads="1"/>
-          </p:cNvSpPr>
-          <p:nvPr>
-            <p:ph type="title"/>
-          </p:nvPr>
-        </p:nvSpPr>
-        <p:spPr/>
-        <p:txBody>
-          <a:bodyPr/>
-          <a:lstStyle/>
-          <a:p>
-            <a:r>
-              <a:rPr lang="en-AT" altLang="en-AT"/>
-              <a:t>Results</a:t>
-            </a:r>
-          </a:p>
-        </p:txBody>
-      </p:sp>
-      <p:sp>
-        <p:nvSpPr>
-          <p:cNvPr id="13" name="Title 4">
-            <a:extLst>
-              <a:ext uri="{FF2B5EF4-FFF2-40B4-BE49-F238E27FC236}">
-                <a16:creationId xmlns:a16="http://schemas.microsoft.com/office/drawing/2014/main" id="{99166EBE-B4A8-AD35-F169-4DFAED2907AC}"/>
-              </a:ext>
-            </a:extLst>
-          </p:cNvPr>
-          <p:cNvSpPr txBox="1">
-            <a:spLocks/>
-          </p:cNvSpPr>
-          <p:nvPr/>
-        </p:nvSpPr>
-        <p:spPr bwMode="auto">
-          <a:xfrm>
-            <a:off x="487363" y="685800"/>
-            <a:ext cx="8147050" cy="749300"/>
-          </a:xfrm>
-          <a:prstGeom prst="rect">
-            <a:avLst/>
-          </a:prstGeom>
-          <a:noFill/>
-          <a:ln>
-            <a:noFill/>
-          </a:ln>
-        </p:spPr>
-        <p:txBody>
-          <a:bodyPr anchor="ctr"/>
-          <a:lstStyle>
-            <a:lvl1pPr algn="ctr" rtl="0" eaLnBrk="0" fontAlgn="base" hangingPunct="0">
-              <a:spcBef>
-                <a:spcPct val="0"/>
-              </a:spcBef>
-              <a:spcAft>
-                <a:spcPct val="0"/>
-              </a:spcAft>
-              <a:defRPr sz="3200" baseline="0">
-                <a:solidFill>
-                  <a:schemeClr val="bg2"/>
-                </a:solidFill>
-                <a:latin typeface="Arial" panose="020B0604020202020204" pitchFamily="34" charset="0"/>
-                <a:ea typeface="+mj-ea"/>
-                <a:cs typeface="Arial" panose="020B0604020202020204" pitchFamily="34" charset="0"/>
-              </a:defRPr>
-            </a:lvl1pPr>
-            <a:lvl2pPr algn="ctr" rtl="0" eaLnBrk="0" fontAlgn="base" hangingPunct="0">
-              <a:spcBef>
-                <a:spcPct val="0"/>
-              </a:spcBef>
-              <a:spcAft>
-                <a:spcPct val="0"/>
-              </a:spcAft>
-              <a:defRPr sz="3200">
-                <a:solidFill>
-                  <a:schemeClr val="bg2"/>
-                </a:solidFill>
-                <a:latin typeface="Arial" charset="0"/>
-              </a:defRPr>
-            </a:lvl2pPr>
-            <a:lvl3pPr algn="ctr" rtl="0" eaLnBrk="0" fontAlgn="base" hangingPunct="0">
-              <a:spcBef>
-                <a:spcPct val="0"/>
-              </a:spcBef>
-              <a:spcAft>
-                <a:spcPct val="0"/>
-              </a:spcAft>
-              <a:defRPr sz="3200">
-                <a:solidFill>
-                  <a:schemeClr val="bg2"/>
-                </a:solidFill>
-                <a:latin typeface="Arial" charset="0"/>
-              </a:defRPr>
-            </a:lvl3pPr>
-            <a:lvl4pPr algn="ctr" rtl="0" eaLnBrk="0" fontAlgn="base" hangingPunct="0">
-              <a:spcBef>
-                <a:spcPct val="0"/>
-              </a:spcBef>
-              <a:spcAft>
-                <a:spcPct val="0"/>
-              </a:spcAft>
-              <a:defRPr sz="3200">
-                <a:solidFill>
-                  <a:schemeClr val="bg2"/>
-                </a:solidFill>
-                <a:latin typeface="Arial" charset="0"/>
-              </a:defRPr>
-            </a:lvl4pPr>
-            <a:lvl5pPr algn="ctr" rtl="0" eaLnBrk="0" fontAlgn="base" hangingPunct="0">
-              <a:spcBef>
-                <a:spcPct val="0"/>
-              </a:spcBef>
-              <a:spcAft>
-                <a:spcPct val="0"/>
-              </a:spcAft>
-              <a:defRPr sz="3200">
-                <a:solidFill>
-                  <a:schemeClr val="bg2"/>
-                </a:solidFill>
-                <a:latin typeface="Arial" charset="0"/>
-              </a:defRPr>
-            </a:lvl5pPr>
-            <a:lvl6pPr marL="457200" algn="ctr" rtl="0" fontAlgn="base">
-              <a:spcBef>
-                <a:spcPct val="0"/>
-              </a:spcBef>
-              <a:spcAft>
-                <a:spcPct val="0"/>
-              </a:spcAft>
-              <a:defRPr sz="3200">
-                <a:solidFill>
-                  <a:schemeClr val="bg1"/>
-                </a:solidFill>
-                <a:latin typeface="Arial" charset="0"/>
-              </a:defRPr>
-            </a:lvl6pPr>
-            <a:lvl7pPr marL="914400" algn="ctr" rtl="0" fontAlgn="base">
-              <a:spcBef>
-                <a:spcPct val="0"/>
-              </a:spcBef>
-              <a:spcAft>
-                <a:spcPct val="0"/>
-              </a:spcAft>
-              <a:defRPr sz="3200">
-                <a:solidFill>
-                  <a:schemeClr val="bg1"/>
-                </a:solidFill>
-                <a:latin typeface="Arial" charset="0"/>
-              </a:defRPr>
-            </a:lvl7pPr>
-            <a:lvl8pPr marL="1371600" algn="ctr" rtl="0" fontAlgn="base">
-              <a:spcBef>
-                <a:spcPct val="0"/>
-              </a:spcBef>
-              <a:spcAft>
-                <a:spcPct val="0"/>
-              </a:spcAft>
-              <a:defRPr sz="3200">
-                <a:solidFill>
-                  <a:schemeClr val="bg1"/>
-                </a:solidFill>
-                <a:latin typeface="Arial" charset="0"/>
-              </a:defRPr>
-            </a:lvl8pPr>
-            <a:lvl9pPr marL="1828800" algn="ctr" rtl="0" fontAlgn="base">
-              <a:spcBef>
-                <a:spcPct val="0"/>
-              </a:spcBef>
-              <a:spcAft>
-                <a:spcPct val="0"/>
-              </a:spcAft>
-              <a:defRPr sz="3200">
-                <a:solidFill>
-                  <a:schemeClr val="bg1"/>
-                </a:solidFill>
-                <a:latin typeface="Arial" charset="0"/>
-              </a:defRPr>
-            </a:lvl9pPr>
-          </a:lstStyle>
-          <a:p>
-            <a:pPr>
-              <a:defRPr/>
-            </a:pPr>
-            <a:r>
-              <a:rPr lang="en-AT" sz="2400" kern="0" dirty="0">
-                <a:solidFill>
-                  <a:schemeClr val="tx1">
-                    <a:lumMod val="65000"/>
-                    <a:lumOff val="35000"/>
-                  </a:schemeClr>
-                </a:solidFill>
-              </a:rPr>
-              <a:t>Peak detection</a:t>
-            </a:r>
-          </a:p>
-        </p:txBody>
-      </p:sp>
-    </p:spTree>
-  </p:cSld>
-  <p:clrMapOvr>
-    <a:masterClrMapping/>
-  </p:clrMapOvr>
-  <p:transition spd="slow">
-    <p:push dir="u"/>
-  </p:transition>
-</p:sld>
-</file>
-
-<file path=ppt/slides/slide13.xml><?xml version="1.0" encoding="utf-8"?>
-<p:sld xmlns:a="http://schemas.openxmlformats.org/drawingml/2006/main" xmlns:r="http://schemas.openxmlformats.org/officeDocument/2006/relationships" xmlns:p="http://schemas.openxmlformats.org/presentationml/2006/main">
-  <p:cSld>
-    <p:spTree>
-      <p:nvGrpSpPr>
-        <p:cNvPr id="1" name=""/>
-        <p:cNvGrpSpPr/>
-        <p:nvPr/>
-      </p:nvGrpSpPr>
-      <p:grpSpPr>
-        <a:xfrm>
-          <a:off x="0" y="0"/>
-          <a:ext cx="0" cy="0"/>
-          <a:chOff x="0" y="0"/>
-          <a:chExt cx="0" cy="0"/>
-        </a:xfrm>
-      </p:grpSpPr>
-      <p:sp>
-        <p:nvSpPr>
           <p:cNvPr id="5" name="Title 4">
             <a:extLst>
               <a:ext uri="{FF2B5EF4-FFF2-40B4-BE49-F238E27FC236}">
@@ -10685,12 +10573,7 @@
             <p:ph type="title"/>
           </p:nvPr>
         </p:nvSpPr>
-        <p:spPr>
-          <a:xfrm>
-            <a:off x="498475" y="318860"/>
-            <a:ext cx="8147050" cy="749300"/>
-          </a:xfrm>
-        </p:spPr>
+        <p:spPr/>
         <p:txBody>
           <a:bodyPr/>
           <a:lstStyle/>
@@ -10717,13 +10600,13 @@
           <p:nvPr>
             <p:extLst>
               <p:ext uri="{D42A27DB-BD31-4B8C-83A1-F6EECF244321}">
-                <p14:modId xmlns:p14="http://schemas.microsoft.com/office/powerpoint/2010/main" val="3899348550"/>
+                <p14:modId xmlns:p14="http://schemas.microsoft.com/office/powerpoint/2010/main" val="340042803"/>
               </p:ext>
             </p:extLst>
           </p:nvPr>
         </p:nvGraphicFramePr>
         <p:xfrm>
-          <a:off x="367223" y="2110371"/>
+          <a:off x="367223" y="1881771"/>
           <a:ext cx="8409553" cy="3421345"/>
         </p:xfrm>
         <a:graphic>
@@ -10845,7 +10728,19 @@
                       <a:pPr algn="l"/>
                       <a:r>
                         <a:rPr lang="en-AT" sz="1500" b="1" dirty="0"/>
-                        <a:t>Accuracy (H)</a:t>
+                        <a:t>Accuracy (</a:t>
+                      </a:r>
+                      <a:r>
+                        <a:rPr lang="en-AT" sz="1500" b="1" dirty="0">
+                          <a:solidFill>
+                            <a:srgbClr val="00B0F0"/>
+                          </a:solidFill>
+                        </a:rPr>
+                        <a:t>H</a:t>
+                      </a:r>
+                      <a:r>
+                        <a:rPr lang="en-AT" sz="1500" b="1" dirty="0"/>
+                        <a:t>)</a:t>
                       </a:r>
                     </a:p>
                   </a:txBody>
@@ -10881,7 +10776,19 @@
                       </a:pPr>
                       <a:r>
                         <a:rPr lang="en-AT" sz="1500" b="1" dirty="0"/>
-                        <a:t>Accuracy (D)</a:t>
+                        <a:t>Accuracy (</a:t>
+                      </a:r>
+                      <a:r>
+                        <a:rPr lang="en-AT" sz="1500" b="1" dirty="0">
+                          <a:solidFill>
+                            <a:srgbClr val="FF6F85"/>
+                          </a:solidFill>
+                        </a:rPr>
+                        <a:t>D</a:t>
+                      </a:r>
+                      <a:r>
+                        <a:rPr lang="en-AT" sz="1500" b="1" dirty="0"/>
+                        <a:t>)</a:t>
                       </a:r>
                     </a:p>
                   </a:txBody>
@@ -11444,7 +11351,7 @@
                       <a:pPr algn="l"/>
                       <a:r>
                         <a:rPr lang="en-AT" sz="1500" dirty="0"/>
-                        <a:t>0.36688</a:t>
+                        <a:t>0.09256</a:t>
                       </a:r>
                     </a:p>
                   </a:txBody>
@@ -11476,7 +11383,7 @@
         </p:nvSpPr>
         <p:spPr bwMode="auto">
           <a:xfrm>
-            <a:off x="367222" y="1517225"/>
+            <a:off x="367222" y="1288625"/>
             <a:ext cx="6926207" cy="569601"/>
           </a:xfrm>
           <a:prstGeom prst="rect">
@@ -11662,7 +11569,7 @@
             </a:pPr>
             <a:r>
               <a:rPr lang="en-AT" kern="0" baseline="0" dirty="0"/>
-              <a:t>Final results when comparing different scenarios</a:t>
+              <a:t>When comparing different scenarios:</a:t>
             </a:r>
           </a:p>
         </p:txBody>
@@ -11671,6 +11578,703 @@
     <p:extLst>
       <p:ext uri="{BB962C8B-B14F-4D97-AF65-F5344CB8AC3E}">
         <p14:creationId xmlns:p14="http://schemas.microsoft.com/office/powerpoint/2010/main" val="1669646208"/>
+      </p:ext>
+    </p:extLst>
+  </p:cSld>
+  <p:clrMapOvr>
+    <a:masterClrMapping/>
+  </p:clrMapOvr>
+  <p:transition spd="slow">
+    <p:push dir="u"/>
+  </p:transition>
+</p:sld>
+</file>
+
+<file path=ppt/slides/slide13.xml><?xml version="1.0" encoding="utf-8"?>
+<p:sld xmlns:a="http://schemas.openxmlformats.org/drawingml/2006/main" xmlns:r="http://schemas.openxmlformats.org/officeDocument/2006/relationships" xmlns:p="http://schemas.openxmlformats.org/presentationml/2006/main">
+  <p:cSld>
+    <p:spTree>
+      <p:nvGrpSpPr>
+        <p:cNvPr id="1" name=""/>
+        <p:cNvGrpSpPr/>
+        <p:nvPr/>
+      </p:nvGrpSpPr>
+      <p:grpSpPr>
+        <a:xfrm>
+          <a:off x="0" y="0"/>
+          <a:ext cx="0" cy="0"/>
+          <a:chOff x="0" y="0"/>
+          <a:chExt cx="0" cy="0"/>
+        </a:xfrm>
+      </p:grpSpPr>
+      <p:sp>
+        <p:nvSpPr>
+          <p:cNvPr id="16385" name="Title 4">
+            <a:extLst>
+              <a:ext uri="{FF2B5EF4-FFF2-40B4-BE49-F238E27FC236}">
+                <a16:creationId xmlns:a16="http://schemas.microsoft.com/office/drawing/2014/main" id="{2C8E0BDF-F475-426F-DFF3-D55F76D27CED}"/>
+              </a:ext>
+            </a:extLst>
+          </p:cNvPr>
+          <p:cNvSpPr>
+            <a:spLocks noGrp="1" noChangeArrowheads="1"/>
+          </p:cNvSpPr>
+          <p:nvPr>
+            <p:ph type="title"/>
+          </p:nvPr>
+        </p:nvSpPr>
+        <p:spPr/>
+        <p:txBody>
+          <a:bodyPr/>
+          <a:lstStyle/>
+          <a:p>
+            <a:r>
+              <a:rPr lang="en-AT" altLang="en-AT"/>
+              <a:t>Results</a:t>
+            </a:r>
+          </a:p>
+        </p:txBody>
+      </p:sp>
+      <p:sp>
+        <p:nvSpPr>
+          <p:cNvPr id="13" name="Title 4">
+            <a:extLst>
+              <a:ext uri="{FF2B5EF4-FFF2-40B4-BE49-F238E27FC236}">
+                <a16:creationId xmlns:a16="http://schemas.microsoft.com/office/drawing/2014/main" id="{99166EBE-B4A8-AD35-F169-4DFAED2907AC}"/>
+              </a:ext>
+            </a:extLst>
+          </p:cNvPr>
+          <p:cNvSpPr txBox="1">
+            <a:spLocks/>
+          </p:cNvSpPr>
+          <p:nvPr/>
+        </p:nvSpPr>
+        <p:spPr bwMode="auto">
+          <a:xfrm>
+            <a:off x="487363" y="685800"/>
+            <a:ext cx="8147050" cy="749300"/>
+          </a:xfrm>
+          <a:prstGeom prst="rect">
+            <a:avLst/>
+          </a:prstGeom>
+          <a:noFill/>
+          <a:ln>
+            <a:noFill/>
+          </a:ln>
+        </p:spPr>
+        <p:txBody>
+          <a:bodyPr anchor="ctr"/>
+          <a:lstStyle>
+            <a:lvl1pPr algn="ctr" rtl="0" eaLnBrk="0" fontAlgn="base" hangingPunct="0">
+              <a:spcBef>
+                <a:spcPct val="0"/>
+              </a:spcBef>
+              <a:spcAft>
+                <a:spcPct val="0"/>
+              </a:spcAft>
+              <a:defRPr sz="3200" baseline="0">
+                <a:solidFill>
+                  <a:schemeClr val="bg2"/>
+                </a:solidFill>
+                <a:latin typeface="Arial" panose="020B0604020202020204" pitchFamily="34" charset="0"/>
+                <a:ea typeface="+mj-ea"/>
+                <a:cs typeface="Arial" panose="020B0604020202020204" pitchFamily="34" charset="0"/>
+              </a:defRPr>
+            </a:lvl1pPr>
+            <a:lvl2pPr algn="ctr" rtl="0" eaLnBrk="0" fontAlgn="base" hangingPunct="0">
+              <a:spcBef>
+                <a:spcPct val="0"/>
+              </a:spcBef>
+              <a:spcAft>
+                <a:spcPct val="0"/>
+              </a:spcAft>
+              <a:defRPr sz="3200">
+                <a:solidFill>
+                  <a:schemeClr val="bg2"/>
+                </a:solidFill>
+                <a:latin typeface="Arial" charset="0"/>
+              </a:defRPr>
+            </a:lvl2pPr>
+            <a:lvl3pPr algn="ctr" rtl="0" eaLnBrk="0" fontAlgn="base" hangingPunct="0">
+              <a:spcBef>
+                <a:spcPct val="0"/>
+              </a:spcBef>
+              <a:spcAft>
+                <a:spcPct val="0"/>
+              </a:spcAft>
+              <a:defRPr sz="3200">
+                <a:solidFill>
+                  <a:schemeClr val="bg2"/>
+                </a:solidFill>
+                <a:latin typeface="Arial" charset="0"/>
+              </a:defRPr>
+            </a:lvl3pPr>
+            <a:lvl4pPr algn="ctr" rtl="0" eaLnBrk="0" fontAlgn="base" hangingPunct="0">
+              <a:spcBef>
+                <a:spcPct val="0"/>
+              </a:spcBef>
+              <a:spcAft>
+                <a:spcPct val="0"/>
+              </a:spcAft>
+              <a:defRPr sz="3200">
+                <a:solidFill>
+                  <a:schemeClr val="bg2"/>
+                </a:solidFill>
+                <a:latin typeface="Arial" charset="0"/>
+              </a:defRPr>
+            </a:lvl4pPr>
+            <a:lvl5pPr algn="ctr" rtl="0" eaLnBrk="0" fontAlgn="base" hangingPunct="0">
+              <a:spcBef>
+                <a:spcPct val="0"/>
+              </a:spcBef>
+              <a:spcAft>
+                <a:spcPct val="0"/>
+              </a:spcAft>
+              <a:defRPr sz="3200">
+                <a:solidFill>
+                  <a:schemeClr val="bg2"/>
+                </a:solidFill>
+                <a:latin typeface="Arial" charset="0"/>
+              </a:defRPr>
+            </a:lvl5pPr>
+            <a:lvl6pPr marL="457200" algn="ctr" rtl="0" fontAlgn="base">
+              <a:spcBef>
+                <a:spcPct val="0"/>
+              </a:spcBef>
+              <a:spcAft>
+                <a:spcPct val="0"/>
+              </a:spcAft>
+              <a:defRPr sz="3200">
+                <a:solidFill>
+                  <a:schemeClr val="bg1"/>
+                </a:solidFill>
+                <a:latin typeface="Arial" charset="0"/>
+              </a:defRPr>
+            </a:lvl6pPr>
+            <a:lvl7pPr marL="914400" algn="ctr" rtl="0" fontAlgn="base">
+              <a:spcBef>
+                <a:spcPct val="0"/>
+              </a:spcBef>
+              <a:spcAft>
+                <a:spcPct val="0"/>
+              </a:spcAft>
+              <a:defRPr sz="3200">
+                <a:solidFill>
+                  <a:schemeClr val="bg1"/>
+                </a:solidFill>
+                <a:latin typeface="Arial" charset="0"/>
+              </a:defRPr>
+            </a:lvl7pPr>
+            <a:lvl8pPr marL="1371600" algn="ctr" rtl="0" fontAlgn="base">
+              <a:spcBef>
+                <a:spcPct val="0"/>
+              </a:spcBef>
+              <a:spcAft>
+                <a:spcPct val="0"/>
+              </a:spcAft>
+              <a:defRPr sz="3200">
+                <a:solidFill>
+                  <a:schemeClr val="bg1"/>
+                </a:solidFill>
+                <a:latin typeface="Arial" charset="0"/>
+              </a:defRPr>
+            </a:lvl8pPr>
+            <a:lvl9pPr marL="1828800" algn="ctr" rtl="0" fontAlgn="base">
+              <a:spcBef>
+                <a:spcPct val="0"/>
+              </a:spcBef>
+              <a:spcAft>
+                <a:spcPct val="0"/>
+              </a:spcAft>
+              <a:defRPr sz="3200">
+                <a:solidFill>
+                  <a:schemeClr val="bg1"/>
+                </a:solidFill>
+                <a:latin typeface="Arial" charset="0"/>
+              </a:defRPr>
+            </a:lvl9pPr>
+          </a:lstStyle>
+          <a:p>
+            <a:pPr>
+              <a:defRPr/>
+            </a:pPr>
+            <a:r>
+              <a:rPr lang="en-AT" sz="2400" kern="0" dirty="0">
+                <a:solidFill>
+                  <a:schemeClr val="tx1">
+                    <a:lumMod val="65000"/>
+                    <a:lumOff val="35000"/>
+                  </a:schemeClr>
+                </a:solidFill>
+              </a:rPr>
+              <a:t>Scenario </a:t>
+            </a:r>
+            <a:r>
+              <a:rPr lang="en-AT" sz="2400" b="1" kern="0" dirty="0">
+                <a:solidFill>
+                  <a:schemeClr val="tx1">
+                    <a:lumMod val="65000"/>
+                    <a:lumOff val="35000"/>
+                  </a:schemeClr>
+                </a:solidFill>
+              </a:rPr>
+              <a:t>Real full </a:t>
+            </a:r>
+            <a:r>
+              <a:rPr lang="en-AT" sz="2400" kern="0" dirty="0">
+                <a:solidFill>
+                  <a:schemeClr val="tx1">
+                    <a:lumMod val="65000"/>
+                    <a:lumOff val="35000"/>
+                  </a:schemeClr>
+                </a:solidFill>
+              </a:rPr>
+              <a:t>on </a:t>
+            </a:r>
+            <a:r>
+              <a:rPr lang="en-AT" sz="2400" b="1" kern="0" dirty="0">
+                <a:solidFill>
+                  <a:srgbClr val="00B0F0"/>
+                </a:solidFill>
+              </a:rPr>
+              <a:t>healthy</a:t>
+            </a:r>
+            <a:r>
+              <a:rPr lang="en-AT" sz="2400" kern="0" dirty="0">
+                <a:solidFill>
+                  <a:schemeClr val="tx1">
+                    <a:lumMod val="65000"/>
+                    <a:lumOff val="35000"/>
+                  </a:schemeClr>
+                </a:solidFill>
+              </a:rPr>
+              <a:t> data</a:t>
+            </a:r>
+          </a:p>
+        </p:txBody>
+      </p:sp>
+      <p:pic>
+        <p:nvPicPr>
+          <p:cNvPr id="6" name="Picture 5">
+            <a:extLst>
+              <a:ext uri="{FF2B5EF4-FFF2-40B4-BE49-F238E27FC236}">
+                <a16:creationId xmlns:a16="http://schemas.microsoft.com/office/drawing/2014/main" id="{BD337046-05B7-F698-E67B-D54DC9614182}"/>
+              </a:ext>
+            </a:extLst>
+          </p:cNvPr>
+          <p:cNvPicPr>
+            <a:picLocks noChangeAspect="1"/>
+          </p:cNvPicPr>
+          <p:nvPr/>
+        </p:nvPicPr>
+        <p:blipFill>
+          <a:blip r:embed="rId2">
+            <a:extLst>
+              <a:ext uri="{28A0092B-C50C-407E-A947-70E740481C1C}">
+                <a14:useLocalDpi xmlns:a14="http://schemas.microsoft.com/office/drawing/2010/main" val="0"/>
+              </a:ext>
+            </a:extLst>
+          </a:blip>
+          <a:stretch>
+            <a:fillRect/>
+          </a:stretch>
+        </p:blipFill>
+        <p:spPr>
+          <a:xfrm>
+            <a:off x="0" y="1435100"/>
+            <a:ext cx="4691064" cy="4691064"/>
+          </a:xfrm>
+          <a:prstGeom prst="rect">
+            <a:avLst/>
+          </a:prstGeom>
+        </p:spPr>
+      </p:pic>
+      <p:pic>
+        <p:nvPicPr>
+          <p:cNvPr id="8" name="Picture 7">
+            <a:extLst>
+              <a:ext uri="{FF2B5EF4-FFF2-40B4-BE49-F238E27FC236}">
+                <a16:creationId xmlns:a16="http://schemas.microsoft.com/office/drawing/2014/main" id="{A5AD7A49-28F0-D02A-D77C-DB7CF9D11D9A}"/>
+              </a:ext>
+            </a:extLst>
+          </p:cNvPr>
+          <p:cNvPicPr>
+            <a:picLocks noChangeAspect="1"/>
+          </p:cNvPicPr>
+          <p:nvPr/>
+        </p:nvPicPr>
+        <p:blipFill>
+          <a:blip r:embed="rId3">
+            <a:extLst>
+              <a:ext uri="{28A0092B-C50C-407E-A947-70E740481C1C}">
+                <a14:useLocalDpi xmlns:a14="http://schemas.microsoft.com/office/drawing/2010/main" val="0"/>
+              </a:ext>
+            </a:extLst>
+          </a:blip>
+          <a:stretch>
+            <a:fillRect/>
+          </a:stretch>
+        </p:blipFill>
+        <p:spPr>
+          <a:xfrm>
+            <a:off x="4317207" y="1435100"/>
+            <a:ext cx="4691064" cy="4691064"/>
+          </a:xfrm>
+          <a:prstGeom prst="rect">
+            <a:avLst/>
+          </a:prstGeom>
+        </p:spPr>
+      </p:pic>
+    </p:spTree>
+  </p:cSld>
+  <p:clrMapOvr>
+    <a:masterClrMapping/>
+  </p:clrMapOvr>
+  <p:transition spd="slow">
+    <p:push dir="u"/>
+  </p:transition>
+</p:sld>
+</file>
+
+<file path=ppt/slides/slide14.xml><?xml version="1.0" encoding="utf-8"?>
+<p:sld xmlns:a="http://schemas.openxmlformats.org/drawingml/2006/main" xmlns:r="http://schemas.openxmlformats.org/officeDocument/2006/relationships" xmlns:p="http://schemas.openxmlformats.org/presentationml/2006/main">
+  <p:cSld>
+    <p:spTree>
+      <p:nvGrpSpPr>
+        <p:cNvPr id="1" name=""/>
+        <p:cNvGrpSpPr/>
+        <p:nvPr/>
+      </p:nvGrpSpPr>
+      <p:grpSpPr>
+        <a:xfrm>
+          <a:off x="0" y="0"/>
+          <a:ext cx="0" cy="0"/>
+          <a:chOff x="0" y="0"/>
+          <a:chExt cx="0" cy="0"/>
+        </a:xfrm>
+      </p:grpSpPr>
+      <p:sp>
+        <p:nvSpPr>
+          <p:cNvPr id="16385" name="Title 4">
+            <a:extLst>
+              <a:ext uri="{FF2B5EF4-FFF2-40B4-BE49-F238E27FC236}">
+                <a16:creationId xmlns:a16="http://schemas.microsoft.com/office/drawing/2014/main" id="{2C8E0BDF-F475-426F-DFF3-D55F76D27CED}"/>
+              </a:ext>
+            </a:extLst>
+          </p:cNvPr>
+          <p:cNvSpPr>
+            <a:spLocks noGrp="1" noChangeArrowheads="1"/>
+          </p:cNvSpPr>
+          <p:nvPr>
+            <p:ph type="title"/>
+          </p:nvPr>
+        </p:nvSpPr>
+        <p:spPr/>
+        <p:txBody>
+          <a:bodyPr/>
+          <a:lstStyle/>
+          <a:p>
+            <a:r>
+              <a:rPr lang="en-AT" altLang="en-AT"/>
+              <a:t>Results</a:t>
+            </a:r>
+          </a:p>
+        </p:txBody>
+      </p:sp>
+      <p:sp>
+        <p:nvSpPr>
+          <p:cNvPr id="13" name="Title 4">
+            <a:extLst>
+              <a:ext uri="{FF2B5EF4-FFF2-40B4-BE49-F238E27FC236}">
+                <a16:creationId xmlns:a16="http://schemas.microsoft.com/office/drawing/2014/main" id="{99166EBE-B4A8-AD35-F169-4DFAED2907AC}"/>
+              </a:ext>
+            </a:extLst>
+          </p:cNvPr>
+          <p:cNvSpPr txBox="1">
+            <a:spLocks/>
+          </p:cNvSpPr>
+          <p:nvPr/>
+        </p:nvSpPr>
+        <p:spPr bwMode="auto">
+          <a:xfrm>
+            <a:off x="487363" y="685800"/>
+            <a:ext cx="8147050" cy="749300"/>
+          </a:xfrm>
+          <a:prstGeom prst="rect">
+            <a:avLst/>
+          </a:prstGeom>
+          <a:noFill/>
+          <a:ln>
+            <a:noFill/>
+          </a:ln>
+        </p:spPr>
+        <p:txBody>
+          <a:bodyPr anchor="ctr"/>
+          <a:lstStyle>
+            <a:lvl1pPr algn="ctr" rtl="0" eaLnBrk="0" fontAlgn="base" hangingPunct="0">
+              <a:spcBef>
+                <a:spcPct val="0"/>
+              </a:spcBef>
+              <a:spcAft>
+                <a:spcPct val="0"/>
+              </a:spcAft>
+              <a:defRPr sz="3200" baseline="0">
+                <a:solidFill>
+                  <a:schemeClr val="bg2"/>
+                </a:solidFill>
+                <a:latin typeface="Arial" panose="020B0604020202020204" pitchFamily="34" charset="0"/>
+                <a:ea typeface="+mj-ea"/>
+                <a:cs typeface="Arial" panose="020B0604020202020204" pitchFamily="34" charset="0"/>
+              </a:defRPr>
+            </a:lvl1pPr>
+            <a:lvl2pPr algn="ctr" rtl="0" eaLnBrk="0" fontAlgn="base" hangingPunct="0">
+              <a:spcBef>
+                <a:spcPct val="0"/>
+              </a:spcBef>
+              <a:spcAft>
+                <a:spcPct val="0"/>
+              </a:spcAft>
+              <a:defRPr sz="3200">
+                <a:solidFill>
+                  <a:schemeClr val="bg2"/>
+                </a:solidFill>
+                <a:latin typeface="Arial" charset="0"/>
+              </a:defRPr>
+            </a:lvl2pPr>
+            <a:lvl3pPr algn="ctr" rtl="0" eaLnBrk="0" fontAlgn="base" hangingPunct="0">
+              <a:spcBef>
+                <a:spcPct val="0"/>
+              </a:spcBef>
+              <a:spcAft>
+                <a:spcPct val="0"/>
+              </a:spcAft>
+              <a:defRPr sz="3200">
+                <a:solidFill>
+                  <a:schemeClr val="bg2"/>
+                </a:solidFill>
+                <a:latin typeface="Arial" charset="0"/>
+              </a:defRPr>
+            </a:lvl3pPr>
+            <a:lvl4pPr algn="ctr" rtl="0" eaLnBrk="0" fontAlgn="base" hangingPunct="0">
+              <a:spcBef>
+                <a:spcPct val="0"/>
+              </a:spcBef>
+              <a:spcAft>
+                <a:spcPct val="0"/>
+              </a:spcAft>
+              <a:defRPr sz="3200">
+                <a:solidFill>
+                  <a:schemeClr val="bg2"/>
+                </a:solidFill>
+                <a:latin typeface="Arial" charset="0"/>
+              </a:defRPr>
+            </a:lvl4pPr>
+            <a:lvl5pPr algn="ctr" rtl="0" eaLnBrk="0" fontAlgn="base" hangingPunct="0">
+              <a:spcBef>
+                <a:spcPct val="0"/>
+              </a:spcBef>
+              <a:spcAft>
+                <a:spcPct val="0"/>
+              </a:spcAft>
+              <a:defRPr sz="3200">
+                <a:solidFill>
+                  <a:schemeClr val="bg2"/>
+                </a:solidFill>
+                <a:latin typeface="Arial" charset="0"/>
+              </a:defRPr>
+            </a:lvl5pPr>
+            <a:lvl6pPr marL="457200" algn="ctr" rtl="0" fontAlgn="base">
+              <a:spcBef>
+                <a:spcPct val="0"/>
+              </a:spcBef>
+              <a:spcAft>
+                <a:spcPct val="0"/>
+              </a:spcAft>
+              <a:defRPr sz="3200">
+                <a:solidFill>
+                  <a:schemeClr val="bg1"/>
+                </a:solidFill>
+                <a:latin typeface="Arial" charset="0"/>
+              </a:defRPr>
+            </a:lvl6pPr>
+            <a:lvl7pPr marL="914400" algn="ctr" rtl="0" fontAlgn="base">
+              <a:spcBef>
+                <a:spcPct val="0"/>
+              </a:spcBef>
+              <a:spcAft>
+                <a:spcPct val="0"/>
+              </a:spcAft>
+              <a:defRPr sz="3200">
+                <a:solidFill>
+                  <a:schemeClr val="bg1"/>
+                </a:solidFill>
+                <a:latin typeface="Arial" charset="0"/>
+              </a:defRPr>
+            </a:lvl7pPr>
+            <a:lvl8pPr marL="1371600" algn="ctr" rtl="0" fontAlgn="base">
+              <a:spcBef>
+                <a:spcPct val="0"/>
+              </a:spcBef>
+              <a:spcAft>
+                <a:spcPct val="0"/>
+              </a:spcAft>
+              <a:defRPr sz="3200">
+                <a:solidFill>
+                  <a:schemeClr val="bg1"/>
+                </a:solidFill>
+                <a:latin typeface="Arial" charset="0"/>
+              </a:defRPr>
+            </a:lvl8pPr>
+            <a:lvl9pPr marL="1828800" algn="ctr" rtl="0" fontAlgn="base">
+              <a:spcBef>
+                <a:spcPct val="0"/>
+              </a:spcBef>
+              <a:spcAft>
+                <a:spcPct val="0"/>
+              </a:spcAft>
+              <a:defRPr sz="3200">
+                <a:solidFill>
+                  <a:schemeClr val="bg1"/>
+                </a:solidFill>
+                <a:latin typeface="Arial" charset="0"/>
+              </a:defRPr>
+            </a:lvl9pPr>
+          </a:lstStyle>
+          <a:p>
+            <a:pPr>
+              <a:defRPr/>
+            </a:pPr>
+            <a:r>
+              <a:rPr lang="en-AT" sz="2400" kern="0" dirty="0">
+                <a:solidFill>
+                  <a:schemeClr val="tx1">
+                    <a:lumMod val="65000"/>
+                    <a:lumOff val="35000"/>
+                  </a:schemeClr>
+                </a:solidFill>
+              </a:rPr>
+              <a:t>Scenario </a:t>
+            </a:r>
+            <a:r>
+              <a:rPr lang="en-AT" sz="2400" b="1" kern="0" dirty="0">
+                <a:solidFill>
+                  <a:schemeClr val="tx1">
+                    <a:lumMod val="65000"/>
+                    <a:lumOff val="35000"/>
+                  </a:schemeClr>
+                </a:solidFill>
+              </a:rPr>
+              <a:t>Real full </a:t>
+            </a:r>
+            <a:r>
+              <a:rPr lang="en-AT" sz="2400" kern="0" dirty="0">
+                <a:solidFill>
+                  <a:schemeClr val="tx1">
+                    <a:lumMod val="65000"/>
+                    <a:lumOff val="35000"/>
+                  </a:schemeClr>
+                </a:solidFill>
+              </a:rPr>
+              <a:t>on </a:t>
+            </a:r>
+            <a:r>
+              <a:rPr lang="en-AT" sz="2400" b="1" kern="0" dirty="0">
+                <a:solidFill>
+                  <a:srgbClr val="FF6F85"/>
+                </a:solidFill>
+              </a:rPr>
+              <a:t>diseased</a:t>
+            </a:r>
+            <a:r>
+              <a:rPr lang="en-AT" sz="2400" kern="0" dirty="0">
+                <a:solidFill>
+                  <a:schemeClr val="tx1">
+                    <a:lumMod val="65000"/>
+                    <a:lumOff val="35000"/>
+                  </a:schemeClr>
+                </a:solidFill>
+              </a:rPr>
+              <a:t> data</a:t>
+            </a:r>
+          </a:p>
+        </p:txBody>
+      </p:sp>
+      <p:pic>
+        <p:nvPicPr>
+          <p:cNvPr id="9" name="Picture 8">
+            <a:extLst>
+              <a:ext uri="{FF2B5EF4-FFF2-40B4-BE49-F238E27FC236}">
+                <a16:creationId xmlns:a16="http://schemas.microsoft.com/office/drawing/2014/main" id="{EFF3870A-EC63-B7BA-0D50-CBEBA13EA3AF}"/>
+              </a:ext>
+            </a:extLst>
+          </p:cNvPr>
+          <p:cNvPicPr>
+            <a:picLocks noChangeAspect="1"/>
+          </p:cNvPicPr>
+          <p:nvPr/>
+        </p:nvPicPr>
+        <p:blipFill>
+          <a:blip r:embed="rId2">
+            <a:extLst>
+              <a:ext uri="{28A0092B-C50C-407E-A947-70E740481C1C}">
+                <a14:useLocalDpi xmlns:a14="http://schemas.microsoft.com/office/drawing/2010/main" val="0"/>
+              </a:ext>
+            </a:extLst>
+          </a:blip>
+          <a:stretch>
+            <a:fillRect/>
+          </a:stretch>
+        </p:blipFill>
+        <p:spPr>
+          <a:xfrm>
+            <a:off x="0" y="1435100"/>
+            <a:ext cx="4691063" cy="4691063"/>
+          </a:xfrm>
+          <a:prstGeom prst="rect">
+            <a:avLst/>
+          </a:prstGeom>
+        </p:spPr>
+      </p:pic>
+      <p:pic>
+        <p:nvPicPr>
+          <p:cNvPr id="11" name="Picture 10">
+            <a:extLst>
+              <a:ext uri="{FF2B5EF4-FFF2-40B4-BE49-F238E27FC236}">
+                <a16:creationId xmlns:a16="http://schemas.microsoft.com/office/drawing/2014/main" id="{56CFD88D-5E11-7DC9-4520-9474AE6578E6}"/>
+              </a:ext>
+            </a:extLst>
+          </p:cNvPr>
+          <p:cNvPicPr>
+            <a:picLocks noChangeAspect="1"/>
+          </p:cNvPicPr>
+          <p:nvPr/>
+        </p:nvPicPr>
+        <p:blipFill>
+          <a:blip r:embed="rId3">
+            <a:extLst>
+              <a:ext uri="{28A0092B-C50C-407E-A947-70E740481C1C}">
+                <a14:useLocalDpi xmlns:a14="http://schemas.microsoft.com/office/drawing/2010/main" val="0"/>
+              </a:ext>
+            </a:extLst>
+          </a:blip>
+          <a:stretch>
+            <a:fillRect/>
+          </a:stretch>
+        </p:blipFill>
+        <p:spPr>
+          <a:xfrm>
+            <a:off x="4317207" y="1435099"/>
+            <a:ext cx="4691063" cy="4691063"/>
+          </a:xfrm>
+          <a:prstGeom prst="rect">
+            <a:avLst/>
+          </a:prstGeom>
+        </p:spPr>
+      </p:pic>
+    </p:spTree>
+    <p:extLst>
+      <p:ext uri="{BB962C8B-B14F-4D97-AF65-F5344CB8AC3E}">
+        <p14:creationId xmlns:p14="http://schemas.microsoft.com/office/powerpoint/2010/main" val="2561852907"/>
       </p:ext>
     </p:extLst>
   </p:cSld>
@@ -14598,14 +15202,14 @@
             <p:ph sz="half" idx="1"/>
             <p:extLst>
               <p:ext uri="{D42A27DB-BD31-4B8C-83A1-F6EECF244321}">
-                <p14:modId xmlns:p14="http://schemas.microsoft.com/office/powerpoint/2010/main" val="1430181898"/>
+                <p14:modId xmlns:p14="http://schemas.microsoft.com/office/powerpoint/2010/main" val="3004491060"/>
               </p:ext>
             </p:extLst>
           </p:nvPr>
         </p:nvGraphicFramePr>
         <p:xfrm>
           <a:off x="5046663" y="3536722"/>
-          <a:ext cx="3598862" cy="2214562"/>
+          <a:ext cx="3776662" cy="2214562"/>
         </p:xfrm>
         <a:graphic>
           <a:graphicData uri="http://schemas.openxmlformats.org/drawingml/2006/table">
@@ -14614,14 +15218,14 @@
                 <a:tableStyleId>{5940675A-B579-460E-94D1-54222C63F5DA}</a:tableStyleId>
               </a:tblPr>
               <a:tblGrid>
-                <a:gridCol w="1927987">
+                <a:gridCol w="2095025">
                   <a:extLst>
                     <a:ext uri="{9D8B030D-6E8A-4147-A177-3AD203B41FA5}">
                       <a16:colId xmlns:a16="http://schemas.microsoft.com/office/drawing/2014/main" val="20000"/>
                     </a:ext>
                   </a:extLst>
                 </a:gridCol>
-                <a:gridCol w="1670875">
+                <a:gridCol w="1681637">
                   <a:extLst>
                     <a:ext uri="{9D8B030D-6E8A-4147-A177-3AD203B41FA5}">
                       <a16:colId xmlns:a16="http://schemas.microsoft.com/office/drawing/2014/main" val="20001"/>
@@ -14684,7 +15288,11 @@
                     <a:p>
                       <a:pPr algn="ctr"/>
                       <a:r>
-                        <a:rPr lang="en-AT" sz="1400" dirty="0"/>
+                        <a:rPr lang="en-AT" sz="1400" b="1" dirty="0">
+                          <a:solidFill>
+                            <a:srgbClr val="00B0F0"/>
+                          </a:solidFill>
+                        </a:rPr>
                         <a:t>Sinus rhythm</a:t>
                       </a:r>
                     </a:p>
@@ -14719,7 +15327,11 @@
                     <a:p>
                       <a:pPr algn="ctr"/>
                       <a:r>
-                        <a:rPr lang="en-AT" sz="1400" dirty="0"/>
+                        <a:rPr lang="en-AT" sz="1400" b="1" dirty="0">
+                          <a:solidFill>
+                            <a:srgbClr val="FF6F85"/>
+                          </a:solidFill>
+                        </a:rPr>
                         <a:t>Sinus tachycardia</a:t>
                       </a:r>
                     </a:p>
@@ -14754,7 +15366,11 @@
                     <a:p>
                       <a:pPr algn="ctr"/>
                       <a:r>
-                        <a:rPr lang="en-AT" sz="1400" dirty="0"/>
+                        <a:rPr lang="en-AT" sz="1400" b="1" dirty="0">
+                          <a:solidFill>
+                            <a:srgbClr val="FF6F85"/>
+                          </a:solidFill>
+                        </a:rPr>
                         <a:t>Sinus bradycardia</a:t>
                       </a:r>
                     </a:p>
@@ -14789,7 +15405,11 @@
                     <a:p>
                       <a:pPr algn="ctr"/>
                       <a:r>
-                        <a:rPr lang="en-AT" sz="1400" dirty="0"/>
+                        <a:rPr lang="en-AT" sz="1400" b="1" dirty="0">
+                          <a:solidFill>
+                            <a:srgbClr val="FF6F85"/>
+                          </a:solidFill>
+                        </a:rPr>
                         <a:t>Sinus arrythmia</a:t>
                       </a:r>
                     </a:p>
@@ -14824,7 +15444,11 @@
                     <a:p>
                       <a:pPr algn="ctr"/>
                       <a:r>
-                        <a:rPr lang="en-AT" sz="1400" dirty="0"/>
+                        <a:rPr lang="en-AT" sz="1400" b="1" dirty="0">
+                          <a:solidFill>
+                            <a:srgbClr val="FF6F85"/>
+                          </a:solidFill>
+                        </a:rPr>
                         <a:t>Irregular sinus rhythm</a:t>
                       </a:r>
                     </a:p>
@@ -14859,7 +15483,11 @@
                     <a:p>
                       <a:pPr algn="ctr"/>
                       <a:r>
-                        <a:rPr lang="en-AT" sz="1400" dirty="0"/>
+                        <a:rPr lang="en-AT" sz="1400" b="1" dirty="0">
+                          <a:solidFill>
+                            <a:srgbClr val="FF6F85"/>
+                          </a:solidFill>
+                        </a:rPr>
                         <a:t>Abnormal rhythm</a:t>
                       </a:r>
                     </a:p>
@@ -14966,7 +15594,41 @@
           <a:p>
             <a:r>
               <a:rPr lang="en-AT" altLang="en-AT" dirty="0"/>
-              <a:t>Includes healthy and unhealthy data: </a:t>
+              <a:t>Includes </a:t>
+            </a:r>
+            <a:r>
+              <a:rPr lang="en-AT" altLang="en-AT" b="1" dirty="0">
+                <a:solidFill>
+                  <a:srgbClr val="00B0F0"/>
+                </a:solidFill>
+              </a:rPr>
+              <a:t>healthy</a:t>
+            </a:r>
+            <a:r>
+              <a:rPr lang="en-AT" altLang="en-AT" dirty="0">
+                <a:solidFill>
+                  <a:schemeClr val="accent5">
+                    <a:lumMod val="75000"/>
+                  </a:schemeClr>
+                </a:solidFill>
+              </a:rPr>
+              <a:t> </a:t>
+            </a:r>
+            <a:r>
+              <a:rPr lang="en-AT" altLang="en-AT" dirty="0"/>
+              <a:t>and </a:t>
+            </a:r>
+            <a:r>
+              <a:rPr lang="en-AT" altLang="en-AT" b="1" dirty="0">
+                <a:solidFill>
+                  <a:srgbClr val="FF6F85"/>
+                </a:solidFill>
+              </a:rPr>
+              <a:t>unhealthy</a:t>
+            </a:r>
+            <a:r>
+              <a:rPr lang="en-AT" altLang="en-AT" dirty="0"/>
+              <a:t> data: </a:t>
             </a:r>
           </a:p>
         </p:txBody>
